--- a/LEVANTAMIENTO DE REQUISITOS.pptx
+++ b/LEVANTAMIENTO DE REQUISITOS.pptx
@@ -123,6 +123,11 @@
       </a:defRPr>
     </a:lvl9pPr>
   </p:defaultTextStyle>
+  <p:extLst>
+    <p:ext uri="{EFAFB233-063F-42B5-8137-9DF3F51BA10A}">
+      <p15:sldGuideLst xmlns:p15="http://schemas.microsoft.com/office/powerpoint/2012/main"/>
+    </p:ext>
+  </p:extLst>
 </p:presentation>
 </file>
 
@@ -7113,7 +7118,7 @@
         </p:nvGraphicFramePr>
         <p:xfrm>
           <a:off x="796835" y="1123407"/>
-          <a:ext cx="10345783" cy="5141289"/>
+          <a:ext cx="10345783" cy="5188939"/>
         </p:xfrm>
         <a:graphic>
           <a:graphicData uri="http://schemas.openxmlformats.org/drawingml/2006/table">
@@ -7125,28 +7130,28 @@
                 <a:gridCol w="1169357">
                   <a:extLst>
                     <a:ext uri="{9D8B030D-6E8A-4147-A177-3AD203B41FA5}">
-                      <a16:colId xmlns:a16="http://schemas.microsoft.com/office/drawing/2014/main" val="2463883913"/>
+                      <a16:colId xmlns:a16="http://schemas.microsoft.com/office/drawing/2014/main" xmlns="" val="2463883913"/>
                     </a:ext>
                   </a:extLst>
                 </a:gridCol>
                 <a:gridCol w="3913788">
                   <a:extLst>
                     <a:ext uri="{9D8B030D-6E8A-4147-A177-3AD203B41FA5}">
-                      <a16:colId xmlns:a16="http://schemas.microsoft.com/office/drawing/2014/main" val="46392719"/>
+                      <a16:colId xmlns:a16="http://schemas.microsoft.com/office/drawing/2014/main" xmlns="" val="46392719"/>
                     </a:ext>
                   </a:extLst>
                 </a:gridCol>
                 <a:gridCol w="3462401">
                   <a:extLst>
                     <a:ext uri="{9D8B030D-6E8A-4147-A177-3AD203B41FA5}">
-                      <a16:colId xmlns:a16="http://schemas.microsoft.com/office/drawing/2014/main" val="3572881960"/>
+                      <a16:colId xmlns:a16="http://schemas.microsoft.com/office/drawing/2014/main" xmlns="" val="3572881960"/>
                     </a:ext>
                   </a:extLst>
                 </a:gridCol>
                 <a:gridCol w="1800237">
                   <a:extLst>
                     <a:ext uri="{9D8B030D-6E8A-4147-A177-3AD203B41FA5}">
-                      <a16:colId xmlns:a16="http://schemas.microsoft.com/office/drawing/2014/main" val="2217152135"/>
+                      <a16:colId xmlns:a16="http://schemas.microsoft.com/office/drawing/2014/main" xmlns="" val="2217152135"/>
                     </a:ext>
                   </a:extLst>
                 </a:gridCol>
@@ -7274,7 +7279,7 @@
                 </a:tc>
                 <a:extLst>
                   <a:ext uri="{0D108BD9-81ED-4DB2-BD59-A6C34878D82A}">
-                    <a16:rowId xmlns:a16="http://schemas.microsoft.com/office/drawing/2014/main" val="3481602468"/>
+                    <a16:rowId xmlns:a16="http://schemas.microsoft.com/office/drawing/2014/main" xmlns="" val="3481602468"/>
                   </a:ext>
                 </a:extLst>
               </a:tr>
@@ -7401,7 +7406,7 @@
                 </a:tc>
                 <a:extLst>
                   <a:ext uri="{0D108BD9-81ED-4DB2-BD59-A6C34878D82A}">
-                    <a16:rowId xmlns:a16="http://schemas.microsoft.com/office/drawing/2014/main" val="323547120"/>
+                    <a16:rowId xmlns:a16="http://schemas.microsoft.com/office/drawing/2014/main" xmlns="" val="323547120"/>
                   </a:ext>
                 </a:extLst>
               </a:tr>
@@ -7528,7 +7533,7 @@
                 </a:tc>
                 <a:extLst>
                   <a:ext uri="{0D108BD9-81ED-4DB2-BD59-A6C34878D82A}">
-                    <a16:rowId xmlns:a16="http://schemas.microsoft.com/office/drawing/2014/main" val="1726679276"/>
+                    <a16:rowId xmlns:a16="http://schemas.microsoft.com/office/drawing/2014/main" xmlns="" val="1726679276"/>
                   </a:ext>
                 </a:extLst>
               </a:tr>
@@ -7655,7 +7660,7 @@
                 </a:tc>
                 <a:extLst>
                   <a:ext uri="{0D108BD9-81ED-4DB2-BD59-A6C34878D82A}">
-                    <a16:rowId xmlns:a16="http://schemas.microsoft.com/office/drawing/2014/main" val="695764138"/>
+                    <a16:rowId xmlns:a16="http://schemas.microsoft.com/office/drawing/2014/main" xmlns="" val="695764138"/>
                   </a:ext>
                 </a:extLst>
               </a:tr>
@@ -7782,7 +7787,7 @@
                 </a:tc>
                 <a:extLst>
                   <a:ext uri="{0D108BD9-81ED-4DB2-BD59-A6C34878D82A}">
-                    <a16:rowId xmlns:a16="http://schemas.microsoft.com/office/drawing/2014/main" val="1572531703"/>
+                    <a16:rowId xmlns:a16="http://schemas.microsoft.com/office/drawing/2014/main" xmlns="" val="1572531703"/>
                   </a:ext>
                 </a:extLst>
               </a:tr>
@@ -7923,7 +7928,7 @@
                 </a:tc>
                 <a:extLst>
                   <a:ext uri="{0D108BD9-81ED-4DB2-BD59-A6C34878D82A}">
-                    <a16:rowId xmlns:a16="http://schemas.microsoft.com/office/drawing/2014/main" val="3112379847"/>
+                    <a16:rowId xmlns:a16="http://schemas.microsoft.com/office/drawing/2014/main" xmlns="" val="3112379847"/>
                   </a:ext>
                 </a:extLst>
               </a:tr>
@@ -8064,7 +8069,7 @@
                 </a:tc>
                 <a:extLst>
                   <a:ext uri="{0D108BD9-81ED-4DB2-BD59-A6C34878D82A}">
-                    <a16:rowId xmlns:a16="http://schemas.microsoft.com/office/drawing/2014/main" val="1766315114"/>
+                    <a16:rowId xmlns:a16="http://schemas.microsoft.com/office/drawing/2014/main" xmlns="" val="1766315114"/>
                   </a:ext>
                 </a:extLst>
               </a:tr>
@@ -8298,7 +8303,7 @@
         </p:nvGraphicFramePr>
         <p:xfrm>
           <a:off x="475129" y="1050163"/>
-          <a:ext cx="10919012" cy="4955260"/>
+          <a:ext cx="10919012" cy="5003202"/>
         </p:xfrm>
         <a:graphic>
           <a:graphicData uri="http://schemas.openxmlformats.org/drawingml/2006/table">
@@ -8310,28 +8315,28 @@
                 <a:gridCol w="2729144">
                   <a:extLst>
                     <a:ext uri="{9D8B030D-6E8A-4147-A177-3AD203B41FA5}">
-                      <a16:colId xmlns:a16="http://schemas.microsoft.com/office/drawing/2014/main" val="3739843961"/>
+                      <a16:colId xmlns:a16="http://schemas.microsoft.com/office/drawing/2014/main" xmlns="" val="3739843961"/>
                     </a:ext>
                   </a:extLst>
                 </a:gridCol>
                 <a:gridCol w="2729144">
                   <a:extLst>
                     <a:ext uri="{9D8B030D-6E8A-4147-A177-3AD203B41FA5}">
-                      <a16:colId xmlns:a16="http://schemas.microsoft.com/office/drawing/2014/main" val="3701475337"/>
+                      <a16:colId xmlns:a16="http://schemas.microsoft.com/office/drawing/2014/main" xmlns="" val="3701475337"/>
                     </a:ext>
                   </a:extLst>
                 </a:gridCol>
                 <a:gridCol w="2730362">
                   <a:extLst>
                     <a:ext uri="{9D8B030D-6E8A-4147-A177-3AD203B41FA5}">
-                      <a16:colId xmlns:a16="http://schemas.microsoft.com/office/drawing/2014/main" val="1454204754"/>
+                      <a16:colId xmlns:a16="http://schemas.microsoft.com/office/drawing/2014/main" xmlns="" val="1454204754"/>
                     </a:ext>
                   </a:extLst>
                 </a:gridCol>
                 <a:gridCol w="2730362">
                   <a:extLst>
                     <a:ext uri="{9D8B030D-6E8A-4147-A177-3AD203B41FA5}">
-                      <a16:colId xmlns:a16="http://schemas.microsoft.com/office/drawing/2014/main" val="776898227"/>
+                      <a16:colId xmlns:a16="http://schemas.microsoft.com/office/drawing/2014/main" xmlns="" val="776898227"/>
                     </a:ext>
                   </a:extLst>
                 </a:gridCol>
@@ -8351,13 +8356,13 @@
                         </a:spcAft>
                       </a:pPr>
                       <a:r>
-                        <a:rPr lang="es-CO" sz="1400">
+                        <a:rPr lang="es-CO" sz="1400" dirty="0">
                           <a:effectLst/>
                           <a:latin typeface="Agency FB" panose="020B0503020202020204" pitchFamily="34" charset="0"/>
                         </a:rPr>
                         <a:t>ORDEN </a:t>
                       </a:r>
-                      <a:endParaRPr lang="es-CO" sz="1400">
+                      <a:endParaRPr lang="es-CO" sz="1400" dirty="0">
                         <a:effectLst/>
                         <a:latin typeface="Agency FB" panose="020B0503020202020204" pitchFamily="34" charset="0"/>
                         <a:ea typeface="Calibri" panose="020F0502020204030204" pitchFamily="34" charset="0"/>
@@ -8459,7 +8464,7 @@
                 </a:tc>
                 <a:extLst>
                   <a:ext uri="{0D108BD9-81ED-4DB2-BD59-A6C34878D82A}">
-                    <a16:rowId xmlns:a16="http://schemas.microsoft.com/office/drawing/2014/main" val="1821887633"/>
+                    <a16:rowId xmlns:a16="http://schemas.microsoft.com/office/drawing/2014/main" xmlns="" val="1821887633"/>
                   </a:ext>
                 </a:extLst>
               </a:tr>
@@ -8478,13 +8483,13 @@
                         </a:spcAft>
                       </a:pPr>
                       <a:r>
-                        <a:rPr lang="es-CO" sz="1400">
+                        <a:rPr lang="es-CO" sz="1400" dirty="0">
                           <a:effectLst/>
                           <a:latin typeface="Agency FB" panose="020B0503020202020204" pitchFamily="34" charset="0"/>
                         </a:rPr>
                         <a:t>RQNF_01</a:t>
                       </a:r>
-                      <a:endParaRPr lang="es-CO" sz="1400">
+                      <a:endParaRPr lang="es-CO" sz="1400" dirty="0">
                         <a:effectLst/>
                         <a:latin typeface="Agency FB" panose="020B0503020202020204" pitchFamily="34" charset="0"/>
                         <a:ea typeface="Calibri" panose="020F0502020204030204" pitchFamily="34" charset="0"/>
@@ -8586,7 +8591,7 @@
                 </a:tc>
                 <a:extLst>
                   <a:ext uri="{0D108BD9-81ED-4DB2-BD59-A6C34878D82A}">
-                    <a16:rowId xmlns:a16="http://schemas.microsoft.com/office/drawing/2014/main" val="1529867977"/>
+                    <a16:rowId xmlns:a16="http://schemas.microsoft.com/office/drawing/2014/main" xmlns="" val="1529867977"/>
                   </a:ext>
                 </a:extLst>
               </a:tr>
@@ -8635,13 +8640,13 @@
                         </a:spcAft>
                       </a:pPr>
                       <a:r>
-                        <a:rPr lang="es-CO" sz="1400">
+                        <a:rPr lang="es-CO" sz="1400" dirty="0">
                           <a:effectLst/>
                           <a:latin typeface="Agency FB" panose="020B0503020202020204" pitchFamily="34" charset="0"/>
                         </a:rPr>
                         <a:t>DIVISION DE MARCAS DE PRODUCTOS</a:t>
                       </a:r>
-                      <a:endParaRPr lang="es-CO" sz="1400">
+                      <a:endParaRPr lang="es-CO" sz="1400" dirty="0">
                         <a:effectLst/>
                         <a:latin typeface="Agency FB" panose="020B0503020202020204" pitchFamily="34" charset="0"/>
                         <a:ea typeface="Calibri" panose="020F0502020204030204" pitchFamily="34" charset="0"/>
@@ -8713,7 +8718,7 @@
                 </a:tc>
                 <a:extLst>
                   <a:ext uri="{0D108BD9-81ED-4DB2-BD59-A6C34878D82A}">
-                    <a16:rowId xmlns:a16="http://schemas.microsoft.com/office/drawing/2014/main" val="515473791"/>
+                    <a16:rowId xmlns:a16="http://schemas.microsoft.com/office/drawing/2014/main" xmlns="" val="515473791"/>
                   </a:ext>
                 </a:extLst>
               </a:tr>
@@ -8854,7 +8859,7 @@
                 </a:tc>
                 <a:extLst>
                   <a:ext uri="{0D108BD9-81ED-4DB2-BD59-A6C34878D82A}">
-                    <a16:rowId xmlns:a16="http://schemas.microsoft.com/office/drawing/2014/main" val="762360644"/>
+                    <a16:rowId xmlns:a16="http://schemas.microsoft.com/office/drawing/2014/main" xmlns="" val="762360644"/>
                   </a:ext>
                 </a:extLst>
               </a:tr>
@@ -8995,7 +9000,7 @@
                 </a:tc>
                 <a:extLst>
                   <a:ext uri="{0D108BD9-81ED-4DB2-BD59-A6C34878D82A}">
-                    <a16:rowId xmlns:a16="http://schemas.microsoft.com/office/drawing/2014/main" val="3476658200"/>
+                    <a16:rowId xmlns:a16="http://schemas.microsoft.com/office/drawing/2014/main" xmlns="" val="3476658200"/>
                   </a:ext>
                 </a:extLst>
               </a:tr>
@@ -9122,7 +9127,7 @@
                 </a:tc>
                 <a:extLst>
                   <a:ext uri="{0D108BD9-81ED-4DB2-BD59-A6C34878D82A}">
-                    <a16:rowId xmlns:a16="http://schemas.microsoft.com/office/drawing/2014/main" val="4127599319"/>
+                    <a16:rowId xmlns:a16="http://schemas.microsoft.com/office/drawing/2014/main" xmlns="" val="4127599319"/>
                   </a:ext>
                 </a:extLst>
               </a:tr>
@@ -9240,14 +9245,14 @@
             <p:ph sz="quarter" idx="13"/>
             <p:extLst>
               <p:ext uri="{D42A27DB-BD31-4B8C-83A1-F6EECF244321}">
-                <p14:modId xmlns:p14="http://schemas.microsoft.com/office/powerpoint/2010/main" val="1746096220"/>
+                <p14:modId xmlns:p14="http://schemas.microsoft.com/office/powerpoint/2010/main" val="2177060956"/>
               </p:ext>
             </p:extLst>
           </p:nvPr>
         </p:nvGraphicFramePr>
         <p:xfrm>
-          <a:off x="941293" y="0"/>
-          <a:ext cx="10582836" cy="5786846"/>
+          <a:off x="580684" y="231821"/>
+          <a:ext cx="10582836" cy="5203064"/>
         </p:xfrm>
         <a:graphic>
           <a:graphicData uri="http://schemas.openxmlformats.org/drawingml/2006/table">
@@ -9259,33 +9264,216 @@
                 <a:gridCol w="2645121">
                   <a:extLst>
                     <a:ext uri="{9D8B030D-6E8A-4147-A177-3AD203B41FA5}">
-                      <a16:colId xmlns:a16="http://schemas.microsoft.com/office/drawing/2014/main" val="2964172170"/>
+                      <a16:colId xmlns:a16="http://schemas.microsoft.com/office/drawing/2014/main" xmlns="" val="2964172170"/>
                     </a:ext>
                   </a:extLst>
                 </a:gridCol>
                 <a:gridCol w="2645121">
                   <a:extLst>
                     <a:ext uri="{9D8B030D-6E8A-4147-A177-3AD203B41FA5}">
-                      <a16:colId xmlns:a16="http://schemas.microsoft.com/office/drawing/2014/main" val="1127464977"/>
+                      <a16:colId xmlns:a16="http://schemas.microsoft.com/office/drawing/2014/main" xmlns="" val="1127464977"/>
                     </a:ext>
                   </a:extLst>
                 </a:gridCol>
                 <a:gridCol w="2646297">
                   <a:extLst>
                     <a:ext uri="{9D8B030D-6E8A-4147-A177-3AD203B41FA5}">
-                      <a16:colId xmlns:a16="http://schemas.microsoft.com/office/drawing/2014/main" val="17096475"/>
+                      <a16:colId xmlns:a16="http://schemas.microsoft.com/office/drawing/2014/main" xmlns="" val="17096475"/>
                     </a:ext>
                   </a:extLst>
                 </a:gridCol>
                 <a:gridCol w="2646297">
                   <a:extLst>
                     <a:ext uri="{9D8B030D-6E8A-4147-A177-3AD203B41FA5}">
-                      <a16:colId xmlns:a16="http://schemas.microsoft.com/office/drawing/2014/main" val="281330033"/>
+                      <a16:colId xmlns:a16="http://schemas.microsoft.com/office/drawing/2014/main" xmlns="" val="281330033"/>
                     </a:ext>
                   </a:extLst>
                 </a:gridCol>
               </a:tblGrid>
-              <a:tr h="2909417">
+              <a:tr h="2611959">
+                <a:tc>
+                  <a:txBody>
+                    <a:bodyPr/>
+                    <a:lstStyle/>
+                    <a:p>
+                      <a:pPr>
+                        <a:lnSpc>
+                          <a:spcPct val="115000"/>
+                        </a:lnSpc>
+                        <a:spcAft>
+                          <a:spcPts val="0"/>
+                        </a:spcAft>
+                      </a:pPr>
+                      <a:r>
+                        <a:rPr lang="es-CO" sz="1400" dirty="0" smtClean="0">
+                          <a:effectLst/>
+                          <a:latin typeface="Agency FB" panose="020B0503020202020204" pitchFamily="34" charset="0"/>
+                        </a:rPr>
+                        <a:t>RQNF_06</a:t>
+                      </a:r>
+                      <a:endParaRPr lang="es-CO" sz="1400" dirty="0">
+                        <a:effectLst/>
+                        <a:latin typeface="Agency FB" panose="020B0503020202020204" pitchFamily="34" charset="0"/>
+                        <a:ea typeface="Calibri" panose="020F0502020204030204" pitchFamily="34" charset="0"/>
+                        <a:cs typeface="Times New Roman" panose="02020603050405020304" pitchFamily="18" charset="0"/>
+                      </a:endParaRPr>
+                    </a:p>
+                  </a:txBody>
+                  <a:tcPr marL="48105" marR="48105" marT="0" marB="0"/>
+                </a:tc>
+                <a:tc>
+                  <a:txBody>
+                    <a:bodyPr/>
+                    <a:lstStyle/>
+                    <a:p>
+                      <a:pPr>
+                        <a:lnSpc>
+                          <a:spcPct val="115000"/>
+                        </a:lnSpc>
+                        <a:spcAft>
+                          <a:spcPts val="0"/>
+                        </a:spcAft>
+                      </a:pPr>
+                      <a:r>
+                        <a:rPr lang="es-CO" sz="1400" b="0" dirty="0">
+                          <a:solidFill>
+                            <a:schemeClr val="tx1"/>
+                          </a:solidFill>
+                          <a:effectLst/>
+                          <a:latin typeface="Agency FB" panose="020B0503020202020204" pitchFamily="34" charset="0"/>
+                        </a:rPr>
+                        <a:t>SOPORTE SISTEMA</a:t>
+                      </a:r>
+                      <a:endParaRPr lang="es-CO" sz="1400" b="0" dirty="0">
+                        <a:solidFill>
+                          <a:schemeClr val="tx1"/>
+                        </a:solidFill>
+                        <a:effectLst/>
+                        <a:latin typeface="Agency FB" panose="020B0503020202020204" pitchFamily="34" charset="0"/>
+                        <a:ea typeface="Calibri" panose="020F0502020204030204" pitchFamily="34" charset="0"/>
+                        <a:cs typeface="Times New Roman" panose="02020603050405020304" pitchFamily="18" charset="0"/>
+                      </a:endParaRPr>
+                    </a:p>
+                  </a:txBody>
+                  <a:tcPr marL="48105" marR="48105" marT="0" marB="0">
+                    <a:solidFill>
+                      <a:schemeClr val="accent1">
+                        <a:lumMod val="20000"/>
+                        <a:lumOff val="80000"/>
+                      </a:schemeClr>
+                    </a:solidFill>
+                  </a:tcPr>
+                </a:tc>
+                <a:tc>
+                  <a:txBody>
+                    <a:bodyPr/>
+                    <a:lstStyle/>
+                    <a:p>
+                      <a:pPr algn="just">
+                        <a:spcAft>
+                          <a:spcPts val="0"/>
+                        </a:spcAft>
+                      </a:pPr>
+                      <a:r>
+                        <a:rPr lang="es-CO" sz="1400" b="0" dirty="0">
+                          <a:solidFill>
+                            <a:schemeClr val="tx1"/>
+                          </a:solidFill>
+                          <a:effectLst/>
+                          <a:latin typeface="Agency FB" panose="020B0503020202020204" pitchFamily="34" charset="0"/>
+                        </a:rPr>
+                        <a:t>La plataforma  debe poder actualizarse cuando él esté en caliente y sea necesario, esto tendrá una duración de 20 minutos máximo; esta actualización será únicamente realizada por las personas encargadas de brindar soporte al sistema. </a:t>
+                      </a:r>
+                    </a:p>
+                    <a:p>
+                      <a:pPr>
+                        <a:lnSpc>
+                          <a:spcPct val="115000"/>
+                        </a:lnSpc>
+                        <a:spcAft>
+                          <a:spcPts val="0"/>
+                        </a:spcAft>
+                      </a:pPr>
+                      <a:r>
+                        <a:rPr lang="es-CO" sz="1400" dirty="0">
+                          <a:solidFill>
+                            <a:schemeClr val="tx1"/>
+                          </a:solidFill>
+                          <a:effectLst/>
+                          <a:latin typeface="Agency FB" panose="020B0503020202020204" pitchFamily="34" charset="0"/>
+                        </a:rPr>
+                        <a:t> </a:t>
+                      </a:r>
+                      <a:endParaRPr lang="es-CO" sz="1400" dirty="0">
+                        <a:solidFill>
+                          <a:schemeClr val="tx1"/>
+                        </a:solidFill>
+                        <a:effectLst/>
+                        <a:latin typeface="Agency FB" panose="020B0503020202020204" pitchFamily="34" charset="0"/>
+                        <a:ea typeface="Calibri" panose="020F0502020204030204" pitchFamily="34" charset="0"/>
+                        <a:cs typeface="Times New Roman" panose="02020603050405020304" pitchFamily="18" charset="0"/>
+                      </a:endParaRPr>
+                    </a:p>
+                  </a:txBody>
+                  <a:tcPr marL="48105" marR="48105" marT="0" marB="0">
+                    <a:solidFill>
+                      <a:schemeClr val="accent1">
+                        <a:lumMod val="20000"/>
+                        <a:lumOff val="80000"/>
+                      </a:schemeClr>
+                    </a:solidFill>
+                  </a:tcPr>
+                </a:tc>
+                <a:tc>
+                  <a:txBody>
+                    <a:bodyPr/>
+                    <a:lstStyle/>
+                    <a:p>
+                      <a:pPr algn="ctr">
+                        <a:lnSpc>
+                          <a:spcPct val="115000"/>
+                        </a:lnSpc>
+                        <a:spcAft>
+                          <a:spcPts val="0"/>
+                        </a:spcAft>
+                      </a:pPr>
+                      <a:r>
+                        <a:rPr lang="es-CO" sz="1400" b="0" dirty="0">
+                          <a:solidFill>
+                            <a:schemeClr val="tx1"/>
+                          </a:solidFill>
+                          <a:effectLst/>
+                          <a:latin typeface="Agency FB" panose="020B0503020202020204" pitchFamily="34" charset="0"/>
+                        </a:rPr>
+                        <a:t>MEDIA</a:t>
+                      </a:r>
+                      <a:endParaRPr lang="es-CO" sz="1400" b="0" dirty="0">
+                        <a:solidFill>
+                          <a:schemeClr val="tx1"/>
+                        </a:solidFill>
+                        <a:effectLst/>
+                        <a:latin typeface="Agency FB" panose="020B0503020202020204" pitchFamily="34" charset="0"/>
+                        <a:ea typeface="Calibri" panose="020F0502020204030204" pitchFamily="34" charset="0"/>
+                        <a:cs typeface="Times New Roman" panose="02020603050405020304" pitchFamily="18" charset="0"/>
+                      </a:endParaRPr>
+                    </a:p>
+                  </a:txBody>
+                  <a:tcPr marL="48105" marR="48105" marT="0" marB="0">
+                    <a:solidFill>
+                      <a:schemeClr val="accent1">
+                        <a:lumMod val="20000"/>
+                        <a:lumOff val="80000"/>
+                      </a:schemeClr>
+                    </a:solidFill>
+                  </a:tcPr>
+                </a:tc>
+                <a:extLst>
+                  <a:ext uri="{0D108BD9-81ED-4DB2-BD59-A6C34878D82A}">
+                    <a16:rowId xmlns:a16="http://schemas.microsoft.com/office/drawing/2014/main" xmlns="" val="3361765404"/>
+                  </a:ext>
+                </a:extLst>
+              </a:tr>
+              <a:tr h="2591105">
                 <a:tc>
                   <a:txBody>
                     <a:bodyPr/>
@@ -9302,12 +9490,13 @@
                       <a:r>
                         <a:rPr lang="es-CO" sz="1400" dirty="0">
                           <a:effectLst/>
+                          <a:latin typeface="Agency FB" panose="020B0503020202020204" pitchFamily="34" charset="0"/>
                         </a:rPr>
-                        <a:t>RQNF_06</a:t>
+                        <a:t>RQNF_07</a:t>
                       </a:r>
                       <a:endParaRPr lang="es-CO" sz="1400" dirty="0">
                         <a:effectLst/>
-                        <a:latin typeface="Calibri" panose="020F0502020204030204" pitchFamily="34" charset="0"/>
+                        <a:latin typeface="Agency FB" panose="020B0503020202020204" pitchFamily="34" charset="0"/>
                         <a:ea typeface="Calibri" panose="020F0502020204030204" pitchFamily="34" charset="0"/>
                         <a:cs typeface="Times New Roman" panose="02020603050405020304" pitchFamily="18" charset="0"/>
                       </a:endParaRPr>
@@ -9330,156 +9519,20 @@
                       </a:pPr>
                       <a:r>
                         <a:rPr lang="es-CO" sz="1400" dirty="0">
-                          <a:effectLst/>
-                        </a:rPr>
-                        <a:t>SOPORTE SISTEMA</a:t>
-                      </a:r>
-                      <a:endParaRPr lang="es-CO" sz="1400" dirty="0">
-                        <a:effectLst/>
-                        <a:latin typeface="Calibri" panose="020F0502020204030204" pitchFamily="34" charset="0"/>
-                        <a:ea typeface="Calibri" panose="020F0502020204030204" pitchFamily="34" charset="0"/>
-                        <a:cs typeface="Times New Roman" panose="02020603050405020304" pitchFamily="18" charset="0"/>
-                      </a:endParaRPr>
-                    </a:p>
-                  </a:txBody>
-                  <a:tcPr marL="48105" marR="48105" marT="0" marB="0"/>
-                </a:tc>
-                <a:tc>
-                  <a:txBody>
-                    <a:bodyPr/>
-                    <a:lstStyle/>
-                    <a:p>
-                      <a:pPr algn="just">
-                        <a:spcAft>
-                          <a:spcPts val="0"/>
-                        </a:spcAft>
-                      </a:pPr>
-                      <a:r>
-                        <a:rPr lang="es-CO" sz="1800" dirty="0">
+                          <a:solidFill>
+                            <a:schemeClr val="tx1"/>
+                          </a:solidFill>
                           <a:effectLst/>
                           <a:latin typeface="Agency FB" panose="020B0503020202020204" pitchFamily="34" charset="0"/>
                         </a:rPr>
-                        <a:t>La plataforma  debe poder actualizarse cuando él esté en caliente y sea necesario, esto tendrá una duración de 20 minutos máximo; esta actualización será únicamente realizada por las personas encargadas de brindar soporte al sistema. </a:t>
-                      </a:r>
-                    </a:p>
-                    <a:p>
-                      <a:pPr>
-                        <a:lnSpc>
-                          <a:spcPct val="115000"/>
-                        </a:lnSpc>
-                        <a:spcAft>
-                          <a:spcPts val="0"/>
-                        </a:spcAft>
-                      </a:pPr>
-                      <a:r>
-                        <a:rPr lang="es-CO" sz="1200" dirty="0">
-                          <a:effectLst/>
-                        </a:rPr>
-                        <a:t> </a:t>
-                      </a:r>
-                      <a:endParaRPr lang="es-CO" sz="1200" dirty="0">
-                        <a:effectLst/>
-                        <a:latin typeface="Calibri" panose="020F0502020204030204" pitchFamily="34" charset="0"/>
-                        <a:ea typeface="Calibri" panose="020F0502020204030204" pitchFamily="34" charset="0"/>
-                        <a:cs typeface="Times New Roman" panose="02020603050405020304" pitchFamily="18" charset="0"/>
-                      </a:endParaRPr>
-                    </a:p>
-                  </a:txBody>
-                  <a:tcPr marL="48105" marR="48105" marT="0" marB="0"/>
-                </a:tc>
-                <a:tc>
-                  <a:txBody>
-                    <a:bodyPr/>
-                    <a:lstStyle/>
-                    <a:p>
-                      <a:pPr algn="ctr">
-                        <a:lnSpc>
-                          <a:spcPct val="115000"/>
-                        </a:lnSpc>
-                        <a:spcAft>
-                          <a:spcPts val="0"/>
-                        </a:spcAft>
-                      </a:pPr>
-                      <a:r>
-                        <a:rPr lang="es-CO" sz="800">
-                          <a:effectLst/>
-                        </a:rPr>
-                        <a:t>MEDIA</a:t>
-                      </a:r>
-                      <a:endParaRPr lang="es-CO" sz="800">
-                        <a:effectLst/>
-                        <a:latin typeface="Calibri" panose="020F0502020204030204" pitchFamily="34" charset="0"/>
-                        <a:ea typeface="Calibri" panose="020F0502020204030204" pitchFamily="34" charset="0"/>
-                        <a:cs typeface="Times New Roman" panose="02020603050405020304" pitchFamily="18" charset="0"/>
-                      </a:endParaRPr>
-                    </a:p>
-                  </a:txBody>
-                  <a:tcPr marL="48105" marR="48105" marT="0" marB="0"/>
-                </a:tc>
-                <a:extLst>
-                  <a:ext uri="{0D108BD9-81ED-4DB2-BD59-A6C34878D82A}">
-                    <a16:rowId xmlns:a16="http://schemas.microsoft.com/office/drawing/2014/main" val="3361765404"/>
-                  </a:ext>
-                </a:extLst>
-              </a:tr>
-              <a:tr h="2877429">
-                <a:tc>
-                  <a:txBody>
-                    <a:bodyPr/>
-                    <a:lstStyle/>
-                    <a:p>
-                      <a:pPr>
-                        <a:lnSpc>
-                          <a:spcPct val="115000"/>
-                        </a:lnSpc>
-                        <a:spcAft>
-                          <a:spcPts val="0"/>
-                        </a:spcAft>
-                      </a:pPr>
-                      <a:r>
-                        <a:rPr lang="es-CO" sz="1400" dirty="0">
-                          <a:effectLst/>
-                        </a:rPr>
-                        <a:t>RQNF_07</a:t>
+                        <a:t>RENDIMIENTO</a:t>
                       </a:r>
                       <a:endParaRPr lang="es-CO" sz="1400" dirty="0">
-                        <a:effectLst/>
-                        <a:latin typeface="Calibri" panose="020F0502020204030204" pitchFamily="34" charset="0"/>
-                        <a:ea typeface="Calibri" panose="020F0502020204030204" pitchFamily="34" charset="0"/>
-                        <a:cs typeface="Times New Roman" panose="02020603050405020304" pitchFamily="18" charset="0"/>
-                      </a:endParaRPr>
-                    </a:p>
-                  </a:txBody>
-                  <a:tcPr marL="48105" marR="48105" marT="0" marB="0"/>
-                </a:tc>
-                <a:tc>
-                  <a:txBody>
-                    <a:bodyPr/>
-                    <a:lstStyle/>
-                    <a:p>
-                      <a:pPr>
-                        <a:lnSpc>
-                          <a:spcPct val="115000"/>
-                        </a:lnSpc>
-                        <a:spcAft>
-                          <a:spcPts val="0"/>
-                        </a:spcAft>
-                      </a:pPr>
-                      <a:r>
-                        <a:rPr lang="es-CO" sz="1600" dirty="0">
-                          <a:solidFill>
-                            <a:schemeClr val="bg1"/>
-                          </a:solidFill>
-                          <a:effectLst/>
-                        </a:rPr>
-                        <a:t>RENDIMIENTO</a:t>
-                      </a:r>
-                      <a:endParaRPr lang="es-CO" sz="1600" dirty="0">
                         <a:solidFill>
-                          <a:schemeClr val="bg1"/>
+                          <a:schemeClr val="tx1"/>
                         </a:solidFill>
                         <a:effectLst/>
-                        <a:latin typeface="Calibri" panose="020F0502020204030204" pitchFamily="34" charset="0"/>
+                        <a:latin typeface="Agency FB" panose="020B0503020202020204" pitchFamily="34" charset="0"/>
                         <a:ea typeface="Calibri" panose="020F0502020204030204" pitchFamily="34" charset="0"/>
                         <a:cs typeface="Times New Roman" panose="02020603050405020304" pitchFamily="18" charset="0"/>
                       </a:endParaRPr>
@@ -9501,18 +9554,18 @@
                         </a:spcAft>
                       </a:pPr>
                       <a:r>
-                        <a:rPr lang="es-CO" sz="1600" dirty="0">
+                        <a:rPr lang="es-CO" sz="1400" dirty="0">
                           <a:solidFill>
-                            <a:schemeClr val="bg1"/>
+                            <a:schemeClr val="tx1"/>
                           </a:solidFill>
                           <a:effectLst/>
                           <a:latin typeface="Agency FB" panose="020B0503020202020204" pitchFamily="34" charset="0"/>
                         </a:rPr>
                         <a:t>Se debe considerar que parte de la infraestructura presenta un esquema basado en redes seguras en donde se dispone de Firewalls, mediante los cuales el manejo de puertos y protocolos son administrados desde este punto, y no desde los sistemas de información.</a:t>
                       </a:r>
-                      <a:endParaRPr lang="es-CO" sz="1600" dirty="0">
+                      <a:endParaRPr lang="es-CO" sz="1400" dirty="0">
                         <a:solidFill>
-                          <a:schemeClr val="bg1"/>
+                          <a:schemeClr val="tx1"/>
                         </a:solidFill>
                         <a:effectLst/>
                         <a:latin typeface="Agency FB" panose="020B0503020202020204" pitchFamily="34" charset="0"/>
@@ -9537,14 +9590,15 @@
                         </a:spcAft>
                       </a:pPr>
                       <a:r>
-                        <a:rPr lang="es-CO" sz="800" dirty="0">
+                        <a:rPr lang="es-CO" sz="1400" dirty="0">
                           <a:effectLst/>
+                          <a:latin typeface="Agency FB" panose="020B0503020202020204" pitchFamily="34" charset="0"/>
                         </a:rPr>
                         <a:t>MEDIA</a:t>
                       </a:r>
-                      <a:endParaRPr lang="es-CO" sz="800" dirty="0">
+                      <a:endParaRPr lang="es-CO" sz="1400" dirty="0">
                         <a:effectLst/>
-                        <a:latin typeface="Calibri" panose="020F0502020204030204" pitchFamily="34" charset="0"/>
+                        <a:latin typeface="Agency FB" panose="020B0503020202020204" pitchFamily="34" charset="0"/>
                         <a:ea typeface="Calibri" panose="020F0502020204030204" pitchFamily="34" charset="0"/>
                         <a:cs typeface="Times New Roman" panose="02020603050405020304" pitchFamily="18" charset="0"/>
                       </a:endParaRPr>
@@ -9554,7 +9608,7 @@
                 </a:tc>
                 <a:extLst>
                   <a:ext uri="{0D108BD9-81ED-4DB2-BD59-A6C34878D82A}">
-                    <a16:rowId xmlns:a16="http://schemas.microsoft.com/office/drawing/2014/main" val="2449567604"/>
+                    <a16:rowId xmlns:a16="http://schemas.microsoft.com/office/drawing/2014/main" xmlns="" val="2449567604"/>
                   </a:ext>
                 </a:extLst>
               </a:tr>
@@ -9601,14 +9655,14 @@
           <p:nvPr>
             <p:extLst>
               <p:ext uri="{D42A27DB-BD31-4B8C-83A1-F6EECF244321}">
-                <p14:modId xmlns:p14="http://schemas.microsoft.com/office/powerpoint/2010/main" val="3790959793"/>
+                <p14:modId xmlns:p14="http://schemas.microsoft.com/office/powerpoint/2010/main" val="2920349490"/>
               </p:ext>
             </p:extLst>
           </p:nvPr>
         </p:nvGraphicFramePr>
         <p:xfrm>
           <a:off x="537880" y="209087"/>
-          <a:ext cx="10650072" cy="5521188"/>
+          <a:ext cx="10650072" cy="5138047"/>
         </p:xfrm>
         <a:graphic>
           <a:graphicData uri="http://schemas.openxmlformats.org/drawingml/2006/table">
@@ -9620,33 +9674,33 @@
                 <a:gridCol w="2661923">
                   <a:extLst>
                     <a:ext uri="{9D8B030D-6E8A-4147-A177-3AD203B41FA5}">
-                      <a16:colId xmlns:a16="http://schemas.microsoft.com/office/drawing/2014/main" val="2803940385"/>
+                      <a16:colId xmlns:a16="http://schemas.microsoft.com/office/drawing/2014/main" xmlns="" val="2803940385"/>
                     </a:ext>
                   </a:extLst>
                 </a:gridCol>
                 <a:gridCol w="2661923">
                   <a:extLst>
                     <a:ext uri="{9D8B030D-6E8A-4147-A177-3AD203B41FA5}">
-                      <a16:colId xmlns:a16="http://schemas.microsoft.com/office/drawing/2014/main" val="2524726545"/>
+                      <a16:colId xmlns:a16="http://schemas.microsoft.com/office/drawing/2014/main" xmlns="" val="2524726545"/>
                     </a:ext>
                   </a:extLst>
                 </a:gridCol>
                 <a:gridCol w="2663113">
                   <a:extLst>
                     <a:ext uri="{9D8B030D-6E8A-4147-A177-3AD203B41FA5}">
-                      <a16:colId xmlns:a16="http://schemas.microsoft.com/office/drawing/2014/main" val="1850031099"/>
+                      <a16:colId xmlns:a16="http://schemas.microsoft.com/office/drawing/2014/main" xmlns="" val="1850031099"/>
                     </a:ext>
                   </a:extLst>
                 </a:gridCol>
                 <a:gridCol w="2663113">
                   <a:extLst>
                     <a:ext uri="{9D8B030D-6E8A-4147-A177-3AD203B41FA5}">
-                      <a16:colId xmlns:a16="http://schemas.microsoft.com/office/drawing/2014/main" val="3328259895"/>
+                      <a16:colId xmlns:a16="http://schemas.microsoft.com/office/drawing/2014/main" xmlns="" val="3328259895"/>
                     </a:ext>
                   </a:extLst>
                 </a:gridCol>
               </a:tblGrid>
-              <a:tr h="3748561">
+              <a:tr h="3488270">
                 <a:tc>
                   <a:txBody>
                     <a:bodyPr/>
@@ -9661,14 +9715,15 @@
                         </a:spcAft>
                       </a:pPr>
                       <a:r>
-                        <a:rPr lang="es-CO" sz="1200" dirty="0">
+                        <a:rPr lang="es-CO" sz="1400" dirty="0">
                           <a:effectLst/>
+                          <a:latin typeface="Agency FB" panose="020B0503020202020204" pitchFamily="34" charset="0"/>
                         </a:rPr>
                         <a:t>RQNF_08</a:t>
                       </a:r>
-                      <a:endParaRPr lang="es-CO" sz="1200" dirty="0">
+                      <a:endParaRPr lang="es-CO" sz="1400" dirty="0">
                         <a:effectLst/>
-                        <a:latin typeface="Calibri" panose="020F0502020204030204" pitchFamily="34" charset="0"/>
+                        <a:latin typeface="Agency FB" panose="020B0503020202020204" pitchFamily="34" charset="0"/>
                         <a:ea typeface="Calibri" panose="020F0502020204030204" pitchFamily="34" charset="0"/>
                         <a:cs typeface="Times New Roman" panose="02020603050405020304" pitchFamily="18" charset="0"/>
                       </a:endParaRPr>
@@ -9690,20 +9745,34 @@
                         </a:spcAft>
                       </a:pPr>
                       <a:r>
-                        <a:rPr lang="es-CO" sz="1200" dirty="0">
+                        <a:rPr lang="es-CO" sz="1400" b="0" dirty="0">
+                          <a:solidFill>
+                            <a:schemeClr val="tx1"/>
+                          </a:solidFill>
                           <a:effectLst/>
+                          <a:latin typeface="Agency FB" panose="020B0503020202020204" pitchFamily="34" charset="0"/>
                         </a:rPr>
                         <a:t>FLEXIBILIDAD</a:t>
                       </a:r>
-                      <a:endParaRPr lang="es-CO" sz="1200" dirty="0">
+                      <a:endParaRPr lang="es-CO" sz="1400" b="0" dirty="0">
+                        <a:solidFill>
+                          <a:schemeClr val="tx1"/>
+                        </a:solidFill>
                         <a:effectLst/>
-                        <a:latin typeface="Calibri" panose="020F0502020204030204" pitchFamily="34" charset="0"/>
+                        <a:latin typeface="Agency FB" panose="020B0503020202020204" pitchFamily="34" charset="0"/>
                         <a:ea typeface="Calibri" panose="020F0502020204030204" pitchFamily="34" charset="0"/>
                         <a:cs typeface="Times New Roman" panose="02020603050405020304" pitchFamily="18" charset="0"/>
                       </a:endParaRPr>
                     </a:p>
                   </a:txBody>
-                  <a:tcPr marL="45954" marR="45954" marT="0" marB="0"/>
+                  <a:tcPr marL="45954" marR="45954" marT="0" marB="0">
+                    <a:solidFill>
+                      <a:schemeClr val="accent1">
+                        <a:lumMod val="20000"/>
+                        <a:lumOff val="80000"/>
+                      </a:schemeClr>
+                    </a:solidFill>
+                  </a:tcPr>
                 </a:tc>
                 <a:tc>
                   <a:txBody>
@@ -9719,7 +9788,7 @@
                         </a:spcAft>
                       </a:pPr>
                       <a:r>
-                        <a:rPr lang="es-CO" sz="1600" dirty="0">
+                        <a:rPr lang="es-CO" sz="1400" b="0" dirty="0">
                           <a:solidFill>
                             <a:schemeClr val="tx1"/>
                           </a:solidFill>
@@ -9728,7 +9797,203 @@
                         </a:rPr>
                         <a:t>Se debe presentar directa coherencia con la aplicación de la normatividad establecida, teniendo en cuenta la flexibilidad que debe tener el sistema para el cambio de variables importantes que puedan ser ajustadas en el tiempo y que no impliquen cambios estructurales o de ajuste al código de la aplicación desarrollada. Por lo que el sistema debe tener un alto nivel de parametrización para garantizarlo.</a:t>
                       </a:r>
-                      <a:endParaRPr lang="es-CO" sz="1600" dirty="0">
+                      <a:endParaRPr lang="es-CO" sz="1400" b="0" dirty="0">
+                        <a:solidFill>
+                          <a:schemeClr val="tx1"/>
+                        </a:solidFill>
+                        <a:effectLst/>
+                        <a:latin typeface="Agency FB" panose="020B0503020202020204" pitchFamily="34" charset="0"/>
+                        <a:ea typeface="Calibri" panose="020F0502020204030204" pitchFamily="34" charset="0"/>
+                        <a:cs typeface="Times New Roman" panose="02020603050405020304" pitchFamily="18" charset="0"/>
+                      </a:endParaRPr>
+                    </a:p>
+                  </a:txBody>
+                  <a:tcPr marL="45954" marR="45954" marT="0" marB="0">
+                    <a:solidFill>
+                      <a:schemeClr val="accent1">
+                        <a:lumMod val="20000"/>
+                        <a:lumOff val="80000"/>
+                      </a:schemeClr>
+                    </a:solidFill>
+                  </a:tcPr>
+                </a:tc>
+                <a:tc>
+                  <a:txBody>
+                    <a:bodyPr/>
+                    <a:lstStyle/>
+                    <a:p>
+                      <a:pPr algn="ctr">
+                        <a:lnSpc>
+                          <a:spcPct val="115000"/>
+                        </a:lnSpc>
+                        <a:spcAft>
+                          <a:spcPts val="0"/>
+                        </a:spcAft>
+                      </a:pPr>
+                      <a:r>
+                        <a:rPr lang="es-CO" sz="1400" b="0" dirty="0">
+                          <a:solidFill>
+                            <a:schemeClr val="tx1"/>
+                          </a:solidFill>
+                          <a:effectLst/>
+                          <a:latin typeface="Agency FB" panose="020B0503020202020204" pitchFamily="34" charset="0"/>
+                        </a:rPr>
+                        <a:t>ALTA</a:t>
+                      </a:r>
+                      <a:endParaRPr lang="es-CO" sz="1400" b="0" dirty="0">
+                        <a:solidFill>
+                          <a:schemeClr val="tx1"/>
+                        </a:solidFill>
+                        <a:effectLst/>
+                        <a:latin typeface="Agency FB" panose="020B0503020202020204" pitchFamily="34" charset="0"/>
+                        <a:ea typeface="Calibri" panose="020F0502020204030204" pitchFamily="34" charset="0"/>
+                        <a:cs typeface="Times New Roman" panose="02020603050405020304" pitchFamily="18" charset="0"/>
+                      </a:endParaRPr>
+                    </a:p>
+                  </a:txBody>
+                  <a:tcPr marL="45954" marR="45954" marT="0" marB="0">
+                    <a:solidFill>
+                      <a:schemeClr val="accent1">
+                        <a:lumMod val="20000"/>
+                        <a:lumOff val="80000"/>
+                      </a:schemeClr>
+                    </a:solidFill>
+                  </a:tcPr>
+                </a:tc>
+                <a:extLst>
+                  <a:ext uri="{0D108BD9-81ED-4DB2-BD59-A6C34878D82A}">
+                    <a16:rowId xmlns:a16="http://schemas.microsoft.com/office/drawing/2014/main" xmlns="" val="2146999887"/>
+                  </a:ext>
+                </a:extLst>
+              </a:tr>
+              <a:tr h="1152103">
+                <a:tc>
+                  <a:txBody>
+                    <a:bodyPr/>
+                    <a:lstStyle/>
+                    <a:p>
+                      <a:pPr>
+                        <a:lnSpc>
+                          <a:spcPct val="115000"/>
+                        </a:lnSpc>
+                        <a:spcAft>
+                          <a:spcPts val="0"/>
+                        </a:spcAft>
+                      </a:pPr>
+                      <a:r>
+                        <a:rPr lang="es-CO" sz="1400">
+                          <a:effectLst/>
+                          <a:latin typeface="Agency FB" panose="020B0503020202020204" pitchFamily="34" charset="0"/>
+                        </a:rPr>
+                        <a:t>RQNF_09</a:t>
+                      </a:r>
+                      <a:endParaRPr lang="es-CO" sz="1400">
+                        <a:effectLst/>
+                        <a:latin typeface="Agency FB" panose="020B0503020202020204" pitchFamily="34" charset="0"/>
+                        <a:ea typeface="Calibri" panose="020F0502020204030204" pitchFamily="34" charset="0"/>
+                        <a:cs typeface="Times New Roman" panose="02020603050405020304" pitchFamily="18" charset="0"/>
+                      </a:endParaRPr>
+                    </a:p>
+                  </a:txBody>
+                  <a:tcPr marL="45954" marR="45954" marT="0" marB="0"/>
+                </a:tc>
+                <a:tc>
+                  <a:txBody>
+                    <a:bodyPr/>
+                    <a:lstStyle/>
+                    <a:p>
+                      <a:pPr>
+                        <a:lnSpc>
+                          <a:spcPct val="115000"/>
+                        </a:lnSpc>
+                        <a:spcAft>
+                          <a:spcPts val="0"/>
+                        </a:spcAft>
+                      </a:pPr>
+                      <a:r>
+                        <a:rPr lang="es-CO" sz="1400" b="0">
+                          <a:solidFill>
+                            <a:schemeClr val="tx1"/>
+                          </a:solidFill>
+                          <a:effectLst/>
+                          <a:latin typeface="Agency FB" panose="020B0503020202020204" pitchFamily="34" charset="0"/>
+                        </a:rPr>
+                        <a:t>LENGUAJE SISTEMA</a:t>
+                      </a:r>
+                      <a:endParaRPr lang="es-CO" sz="1400" b="0">
+                        <a:solidFill>
+                          <a:schemeClr val="tx1"/>
+                        </a:solidFill>
+                        <a:effectLst/>
+                        <a:latin typeface="Agency FB" panose="020B0503020202020204" pitchFamily="34" charset="0"/>
+                        <a:ea typeface="Calibri" panose="020F0502020204030204" pitchFamily="34" charset="0"/>
+                        <a:cs typeface="Times New Roman" panose="02020603050405020304" pitchFamily="18" charset="0"/>
+                      </a:endParaRPr>
+                    </a:p>
+                  </a:txBody>
+                  <a:tcPr marL="45954" marR="45954" marT="0" marB="0"/>
+                </a:tc>
+                <a:tc>
+                  <a:txBody>
+                    <a:bodyPr/>
+                    <a:lstStyle/>
+                    <a:p>
+                      <a:pPr algn="just">
+                        <a:spcAft>
+                          <a:spcPts val="295"/>
+                        </a:spcAft>
+                      </a:pPr>
+                      <a:r>
+                        <a:rPr lang="es-CO" sz="1400" b="0" dirty="0">
+                          <a:solidFill>
+                            <a:schemeClr val="tx1"/>
+                          </a:solidFill>
+                          <a:effectLst/>
+                          <a:latin typeface="Agency FB" panose="020B0503020202020204" pitchFamily="34" charset="0"/>
+                        </a:rPr>
+                        <a:t>El lenguaje en que será diseñada la plataforma del sistema de la empresa </a:t>
+                      </a:r>
+                      <a:r>
+                        <a:rPr lang="es-CO" sz="1400" b="0" dirty="0" err="1">
+                          <a:solidFill>
+                            <a:schemeClr val="tx1"/>
+                          </a:solidFill>
+                          <a:effectLst/>
+                          <a:latin typeface="Agency FB" panose="020B0503020202020204" pitchFamily="34" charset="0"/>
+                        </a:rPr>
+                        <a:t>Mizapas</a:t>
+                      </a:r>
+                      <a:r>
+                        <a:rPr lang="es-CO" sz="1400" b="0" dirty="0">
+                          <a:solidFill>
+                            <a:schemeClr val="tx1"/>
+                          </a:solidFill>
+                          <a:effectLst/>
+                          <a:latin typeface="Agency FB" panose="020B0503020202020204" pitchFamily="34" charset="0"/>
+                        </a:rPr>
+                        <a:t> es en HTML +CSS.</a:t>
+                      </a:r>
+                    </a:p>
+                    <a:p>
+                      <a:pPr>
+                        <a:lnSpc>
+                          <a:spcPct val="115000"/>
+                        </a:lnSpc>
+                        <a:spcAft>
+                          <a:spcPts val="0"/>
+                        </a:spcAft>
+                      </a:pPr>
+                      <a:r>
+                        <a:rPr lang="es-CO" sz="1400" b="0" dirty="0">
+                          <a:solidFill>
+                            <a:schemeClr val="tx1"/>
+                          </a:solidFill>
+                          <a:effectLst/>
+                          <a:latin typeface="Agency FB" panose="020B0503020202020204" pitchFamily="34" charset="0"/>
+                        </a:rPr>
+                        <a:t> </a:t>
+                      </a:r>
+                      <a:endParaRPr lang="es-CO" sz="1400" b="0" dirty="0">
                         <a:solidFill>
                           <a:schemeClr val="tx1"/>
                         </a:solidFill>
@@ -9755,14 +10020,21 @@
                         </a:spcAft>
                       </a:pPr>
                       <a:r>
-                        <a:rPr lang="es-CO" sz="700" dirty="0">
+                        <a:rPr lang="es-CO" sz="1400" b="0" dirty="0">
+                          <a:solidFill>
+                            <a:schemeClr val="tx1"/>
+                          </a:solidFill>
                           <a:effectLst/>
+                          <a:latin typeface="Agency FB" panose="020B0503020202020204" pitchFamily="34" charset="0"/>
                         </a:rPr>
                         <a:t>ALTA</a:t>
                       </a:r>
-                      <a:endParaRPr lang="es-CO" sz="700" dirty="0">
+                      <a:endParaRPr lang="es-CO" sz="1400" b="0" dirty="0">
+                        <a:solidFill>
+                          <a:schemeClr val="tx1"/>
+                        </a:solidFill>
                         <a:effectLst/>
-                        <a:latin typeface="Calibri" panose="020F0502020204030204" pitchFamily="34" charset="0"/>
+                        <a:latin typeface="Agency FB" panose="020B0503020202020204" pitchFamily="34" charset="0"/>
                         <a:ea typeface="Calibri" panose="020F0502020204030204" pitchFamily="34" charset="0"/>
                         <a:cs typeface="Times New Roman" panose="02020603050405020304" pitchFamily="18" charset="0"/>
                       </a:endParaRPr>
@@ -9772,11 +10044,11 @@
                 </a:tc>
                 <a:extLst>
                   <a:ext uri="{0D108BD9-81ED-4DB2-BD59-A6C34878D82A}">
-                    <a16:rowId xmlns:a16="http://schemas.microsoft.com/office/drawing/2014/main" val="2146999887"/>
+                    <a16:rowId xmlns:a16="http://schemas.microsoft.com/office/drawing/2014/main" xmlns="" val="1146535659"/>
                   </a:ext>
                 </a:extLst>
               </a:tr>
-              <a:tr h="1152103">
+              <a:tr h="497674">
                 <a:tc>
                   <a:txBody>
                     <a:bodyPr/>
@@ -9791,14 +10063,15 @@
                         </a:spcAft>
                       </a:pPr>
                       <a:r>
-                        <a:rPr lang="es-CO" sz="1200">
+                        <a:rPr lang="es-CO" sz="1400">
                           <a:effectLst/>
+                          <a:latin typeface="Agency FB" panose="020B0503020202020204" pitchFamily="34" charset="0"/>
                         </a:rPr>
-                        <a:t>RQNF_09</a:t>
+                        <a:t>RQNF_10</a:t>
                       </a:r>
-                      <a:endParaRPr lang="es-CO" sz="1200">
+                      <a:endParaRPr lang="es-CO" sz="1400">
                         <a:effectLst/>
-                        <a:latin typeface="Calibri" panose="020F0502020204030204" pitchFamily="34" charset="0"/>
+                        <a:latin typeface="Agency FB" panose="020B0503020202020204" pitchFamily="34" charset="0"/>
                         <a:ea typeface="Calibri" panose="020F0502020204030204" pitchFamily="34" charset="0"/>
                         <a:cs typeface="Times New Roman" panose="02020603050405020304" pitchFamily="18" charset="0"/>
                       </a:endParaRPr>
@@ -9820,14 +10093,21 @@
                         </a:spcAft>
                       </a:pPr>
                       <a:r>
-                        <a:rPr lang="es-CO" sz="1200">
+                        <a:rPr lang="es-CO" sz="1400" b="0" dirty="0">
+                          <a:solidFill>
+                            <a:schemeClr val="tx1"/>
+                          </a:solidFill>
                           <a:effectLst/>
+                          <a:latin typeface="Agency FB" panose="020B0503020202020204" pitchFamily="34" charset="0"/>
                         </a:rPr>
-                        <a:t>LENGUAJE SISTEMA</a:t>
+                        <a:t>SISTEMA OPERATIVO</a:t>
                       </a:r>
-                      <a:endParaRPr lang="es-CO" sz="1200">
+                      <a:endParaRPr lang="es-CO" sz="1400" b="0" dirty="0">
+                        <a:solidFill>
+                          <a:schemeClr val="tx1"/>
+                        </a:solidFill>
                         <a:effectLst/>
-                        <a:latin typeface="Calibri" panose="020F0502020204030204" pitchFamily="34" charset="0"/>
+                        <a:latin typeface="Agency FB" panose="020B0503020202020204" pitchFamily="34" charset="0"/>
                         <a:ea typeface="Calibri" panose="020F0502020204030204" pitchFamily="34" charset="0"/>
                         <a:cs typeface="Times New Roman" panose="02020603050405020304" pitchFamily="18" charset="0"/>
                       </a:endParaRPr>
@@ -9842,46 +10122,42 @@
                     <a:p>
                       <a:pPr algn="just">
                         <a:spcAft>
-                          <a:spcPts val="295"/>
+                          <a:spcPts val="0"/>
                         </a:spcAft>
                       </a:pPr>
                       <a:r>
-                        <a:rPr lang="es-CO" sz="1600" dirty="0">
+                        <a:rPr lang="es-CO" sz="1400" b="0" dirty="0">
+                          <a:solidFill>
+                            <a:schemeClr val="tx1"/>
+                          </a:solidFill>
                           <a:effectLst/>
+                          <a:latin typeface="Agency FB" panose="020B0503020202020204" pitchFamily="34" charset="0"/>
                         </a:rPr>
-                        <a:t>El lenguaje en que será diseñada la plataforma del sistema de la empresa </a:t>
-                      </a:r>
-                      <a:r>
-                        <a:rPr lang="es-CO" sz="1600" dirty="0" err="1">
-                          <a:effectLst/>
-                        </a:rPr>
-                        <a:t>Mizapas</a:t>
-                      </a:r>
-                      <a:r>
-                        <a:rPr lang="es-CO" sz="1600" dirty="0">
-                          <a:effectLst/>
-                        </a:rPr>
-                        <a:t> es en HTML +CSS.</a:t>
+                        <a:t>Cualquier sistema operativo.</a:t>
                       </a:r>
                     </a:p>
                     <a:p>
-                      <a:pPr>
-                        <a:lnSpc>
-                          <a:spcPct val="115000"/>
-                        </a:lnSpc>
+                      <a:pPr algn="just">
                         <a:spcAft>
                           <a:spcPts val="0"/>
                         </a:spcAft>
                       </a:pPr>
                       <a:r>
-                        <a:rPr lang="es-CO" sz="1600" dirty="0">
+                        <a:rPr lang="es-CO" sz="1400" b="0" dirty="0">
+                          <a:solidFill>
+                            <a:schemeClr val="tx1"/>
+                          </a:solidFill>
                           <a:effectLst/>
+                          <a:latin typeface="Agency FB" panose="020B0503020202020204" pitchFamily="34" charset="0"/>
                         </a:rPr>
-                        <a:t> </a:t>
+                        <a:t>-S.O.WEB</a:t>
                       </a:r>
-                      <a:endParaRPr lang="es-CO" sz="1600" dirty="0">
+                      <a:endParaRPr lang="es-CO" sz="1400" b="0" dirty="0">
+                        <a:solidFill>
+                          <a:schemeClr val="tx1"/>
+                        </a:solidFill>
                         <a:effectLst/>
-                        <a:latin typeface="Calibri" panose="020F0502020204030204" pitchFamily="34" charset="0"/>
+                        <a:latin typeface="Agency FB" panose="020B0503020202020204" pitchFamily="34" charset="0"/>
                         <a:ea typeface="Calibri" panose="020F0502020204030204" pitchFamily="34" charset="0"/>
                         <a:cs typeface="Times New Roman" panose="02020603050405020304" pitchFamily="18" charset="0"/>
                       </a:endParaRPr>
@@ -9903,14 +10179,21 @@
                         </a:spcAft>
                       </a:pPr>
                       <a:r>
-                        <a:rPr lang="es-CO" sz="700">
+                        <a:rPr lang="es-CO" sz="1400" b="0" dirty="0">
+                          <a:solidFill>
+                            <a:schemeClr val="tx1"/>
+                          </a:solidFill>
                           <a:effectLst/>
+                          <a:latin typeface="Agency FB" panose="020B0503020202020204" pitchFamily="34" charset="0"/>
                         </a:rPr>
-                        <a:t>ALTA</a:t>
+                        <a:t>BAJA</a:t>
                       </a:r>
-                      <a:endParaRPr lang="es-CO" sz="700">
+                      <a:endParaRPr lang="es-CO" sz="1400" b="0" dirty="0">
+                        <a:solidFill>
+                          <a:schemeClr val="tx1"/>
+                        </a:solidFill>
                         <a:effectLst/>
-                        <a:latin typeface="Calibri" panose="020F0502020204030204" pitchFamily="34" charset="0"/>
+                        <a:latin typeface="Agency FB" panose="020B0503020202020204" pitchFamily="34" charset="0"/>
                         <a:ea typeface="Calibri" panose="020F0502020204030204" pitchFamily="34" charset="0"/>
                         <a:cs typeface="Times New Roman" panose="02020603050405020304" pitchFamily="18" charset="0"/>
                       </a:endParaRPr>
@@ -9920,143 +10203,7 @@
                 </a:tc>
                 <a:extLst>
                   <a:ext uri="{0D108BD9-81ED-4DB2-BD59-A6C34878D82A}">
-                    <a16:rowId xmlns:a16="http://schemas.microsoft.com/office/drawing/2014/main" val="1146535659"/>
-                  </a:ext>
-                </a:extLst>
-              </a:tr>
-              <a:tr h="497674">
-                <a:tc>
-                  <a:txBody>
-                    <a:bodyPr/>
-                    <a:lstStyle/>
-                    <a:p>
-                      <a:pPr>
-                        <a:lnSpc>
-                          <a:spcPct val="115000"/>
-                        </a:lnSpc>
-                        <a:spcAft>
-                          <a:spcPts val="0"/>
-                        </a:spcAft>
-                      </a:pPr>
-                      <a:r>
-                        <a:rPr lang="es-CO" sz="1200">
-                          <a:effectLst/>
-                        </a:rPr>
-                        <a:t>RQNF_10</a:t>
-                      </a:r>
-                      <a:endParaRPr lang="es-CO" sz="1200">
-                        <a:effectLst/>
-                        <a:latin typeface="Calibri" panose="020F0502020204030204" pitchFamily="34" charset="0"/>
-                        <a:ea typeface="Calibri" panose="020F0502020204030204" pitchFamily="34" charset="0"/>
-                        <a:cs typeface="Times New Roman" panose="02020603050405020304" pitchFamily="18" charset="0"/>
-                      </a:endParaRPr>
-                    </a:p>
-                  </a:txBody>
-                  <a:tcPr marL="45954" marR="45954" marT="0" marB="0"/>
-                </a:tc>
-                <a:tc>
-                  <a:txBody>
-                    <a:bodyPr/>
-                    <a:lstStyle/>
-                    <a:p>
-                      <a:pPr>
-                        <a:lnSpc>
-                          <a:spcPct val="115000"/>
-                        </a:lnSpc>
-                        <a:spcAft>
-                          <a:spcPts val="0"/>
-                        </a:spcAft>
-                      </a:pPr>
-                      <a:r>
-                        <a:rPr lang="es-CO" sz="1200" dirty="0">
-                          <a:effectLst/>
-                        </a:rPr>
-                        <a:t>SISTEMA OPERATIVO</a:t>
-                      </a:r>
-                      <a:endParaRPr lang="es-CO" sz="1200" dirty="0">
-                        <a:effectLst/>
-                        <a:latin typeface="Calibri" panose="020F0502020204030204" pitchFamily="34" charset="0"/>
-                        <a:ea typeface="Calibri" panose="020F0502020204030204" pitchFamily="34" charset="0"/>
-                        <a:cs typeface="Times New Roman" panose="02020603050405020304" pitchFamily="18" charset="0"/>
-                      </a:endParaRPr>
-                    </a:p>
-                  </a:txBody>
-                  <a:tcPr marL="45954" marR="45954" marT="0" marB="0"/>
-                </a:tc>
-                <a:tc>
-                  <a:txBody>
-                    <a:bodyPr/>
-                    <a:lstStyle/>
-                    <a:p>
-                      <a:pPr algn="just">
-                        <a:spcAft>
-                          <a:spcPts val="0"/>
-                        </a:spcAft>
-                      </a:pPr>
-                      <a:r>
-                        <a:rPr lang="es-CO" sz="1400" dirty="0">
-                          <a:effectLst/>
-                        </a:rPr>
-                        <a:t>Cualquier sistema operativo.</a:t>
-                      </a:r>
-                    </a:p>
-                    <a:p>
-                      <a:pPr algn="just">
-                        <a:spcAft>
-                          <a:spcPts val="0"/>
-                        </a:spcAft>
-                      </a:pPr>
-                      <a:r>
-                        <a:rPr lang="es-CO" sz="1400" dirty="0">
-                          <a:effectLst/>
-                        </a:rPr>
-                        <a:t>-S.O.WEB</a:t>
-                      </a:r>
-                      <a:endParaRPr lang="es-CO" sz="1400" dirty="0">
-                        <a:solidFill>
-                          <a:srgbClr val="000000"/>
-                        </a:solidFill>
-                        <a:effectLst/>
-                        <a:latin typeface="Calibri" panose="020F0502020204030204" pitchFamily="34" charset="0"/>
-                        <a:ea typeface="Calibri" panose="020F0502020204030204" pitchFamily="34" charset="0"/>
-                        <a:cs typeface="Times New Roman" panose="02020603050405020304" pitchFamily="18" charset="0"/>
-                      </a:endParaRPr>
-                    </a:p>
-                  </a:txBody>
-                  <a:tcPr marL="45954" marR="45954" marT="0" marB="0"/>
-                </a:tc>
-                <a:tc>
-                  <a:txBody>
-                    <a:bodyPr/>
-                    <a:lstStyle/>
-                    <a:p>
-                      <a:pPr algn="ctr">
-                        <a:lnSpc>
-                          <a:spcPct val="115000"/>
-                        </a:lnSpc>
-                        <a:spcAft>
-                          <a:spcPts val="0"/>
-                        </a:spcAft>
-                      </a:pPr>
-                      <a:r>
-                        <a:rPr lang="es-CO" sz="700" dirty="0">
-                          <a:effectLst/>
-                        </a:rPr>
-                        <a:t>BAJA</a:t>
-                      </a:r>
-                      <a:endParaRPr lang="es-CO" sz="700" dirty="0">
-                        <a:effectLst/>
-                        <a:latin typeface="Calibri" panose="020F0502020204030204" pitchFamily="34" charset="0"/>
-                        <a:ea typeface="Calibri" panose="020F0502020204030204" pitchFamily="34" charset="0"/>
-                        <a:cs typeface="Times New Roman" panose="02020603050405020304" pitchFamily="18" charset="0"/>
-                      </a:endParaRPr>
-                    </a:p>
-                  </a:txBody>
-                  <a:tcPr marL="45954" marR="45954" marT="0" marB="0"/>
-                </a:tc>
-                <a:extLst>
-                  <a:ext uri="{0D108BD9-81ED-4DB2-BD59-A6C34878D82A}">
-                    <a16:rowId xmlns:a16="http://schemas.microsoft.com/office/drawing/2014/main" val="1027065616"/>
+                    <a16:rowId xmlns:a16="http://schemas.microsoft.com/office/drawing/2014/main" xmlns="" val="1027065616"/>
                   </a:ext>
                 </a:extLst>
               </a:tr>
@@ -10340,7 +10487,7 @@
         </p:blipFill>
         <p:spPr>
           <a:xfrm>
-            <a:off x="3422468" y="1147239"/>
+            <a:off x="3396711" y="916407"/>
             <a:ext cx="6510610" cy="4427871"/>
           </a:xfrm>
           <a:prstGeom prst="rect">
